--- a/extra/Presentations/2015-06-24_Ashley_ComputingWorkflowsForBiologists.pptx
+++ b/extra/Presentations/2015-06-24_Ashley_ComputingWorkflowsForBiologists.pptx
@@ -5,16 +5,15 @@
     <p:sldMasterId id="2147483648" r:id="rId1"/>
   </p:sldMasterIdLst>
   <p:notesMasterIdLst>
-    <p:notesMasterId r:id="rId9"/>
+    <p:notesMasterId r:id="rId8"/>
   </p:notesMasterIdLst>
   <p:sldIdLst>
     <p:sldId id="256" r:id="rId2"/>
-    <p:sldId id="310" r:id="rId3"/>
-    <p:sldId id="311" r:id="rId4"/>
-    <p:sldId id="312" r:id="rId5"/>
-    <p:sldId id="313" r:id="rId6"/>
-    <p:sldId id="314" r:id="rId7"/>
-    <p:sldId id="315" r:id="rId8"/>
+    <p:sldId id="311" r:id="rId3"/>
+    <p:sldId id="312" r:id="rId4"/>
+    <p:sldId id="313" r:id="rId5"/>
+    <p:sldId id="314" r:id="rId6"/>
+    <p:sldId id="315" r:id="rId7"/>
   </p:sldIdLst>
   <p:sldSz cx="9144000" cy="6858000" type="screen4x3"/>
   <p:notesSz cx="6858000" cy="9144000"/>
@@ -3823,223 +3822,125 @@
         </p:nvSpPr>
         <p:spPr/>
         <p:txBody>
+          <a:bodyPr>
+            <a:normAutofit fontScale="90000"/>
+          </a:bodyPr>
+          <a:lstStyle/>
+          <a:p>
+            <a:r>
+              <a:rPr lang="en-US" dirty="0" smtClean="0"/>
+              <a:t>Computing Workflows for Biologists</a:t>
+            </a:r>
+            <a:endParaRPr lang="en-US" dirty="0"/>
+          </a:p>
+        </p:txBody>
+      </p:sp>
+      <p:sp>
+        <p:nvSpPr>
+          <p:cNvPr id="3" name="Content Placeholder 2"/>
+          <p:cNvSpPr>
+            <a:spLocks noGrp="1"/>
+          </p:cNvSpPr>
+          <p:nvPr>
+            <p:ph idx="1"/>
+          </p:nvPr>
+        </p:nvSpPr>
+        <p:spPr/>
+        <p:txBody>
           <a:bodyPr/>
           <a:lstStyle/>
           <a:p>
             <a:r>
               <a:rPr lang="en-US" dirty="0" smtClean="0"/>
-              <a:t>Review</a:t>
-            </a:r>
-            <a:endParaRPr lang="en-US" dirty="0"/>
-          </a:p>
-        </p:txBody>
-      </p:sp>
-      <p:sp>
-        <p:nvSpPr>
-          <p:cNvPr id="3" name="Content Placeholder 2"/>
-          <p:cNvSpPr>
-            <a:spLocks noGrp="1"/>
-          </p:cNvSpPr>
-          <p:nvPr>
-            <p:ph idx="1"/>
-          </p:nvPr>
-        </p:nvSpPr>
-        <p:spPr>
-          <a:xfrm>
-            <a:off x="175179" y="1600200"/>
-            <a:ext cx="8968821" cy="5257800"/>
-          </a:xfrm>
-        </p:spPr>
-        <p:txBody>
-          <a:bodyPr>
-            <a:normAutofit fontScale="62500" lnSpcReduction="20000"/>
-          </a:bodyPr>
-          <a:lstStyle/>
-          <a:p>
-            <a:r>
-              <a:rPr lang="en-US" b="1" dirty="0" smtClean="0"/>
-              <a:t>Beta diversity </a:t>
-            </a:r>
+              <a:t>Papers of interest:</a:t>
+            </a:r>
+          </a:p>
+          <a:p>
+            <a:pPr lvl="1"/>
             <a:r>
               <a:rPr lang="en-US" dirty="0" smtClean="0"/>
-              <a:t>describes </a:t>
+              <a:t>Wilson et al. 2014. Best </a:t>
+            </a:r>
+            <a:r>
+              <a:rPr lang="en-US" dirty="0" err="1" smtClean="0"/>
+              <a:t>practises</a:t>
+            </a:r>
+            <a:r>
+              <a:rPr lang="en-US" dirty="0" smtClean="0"/>
+              <a:t> for Computing. </a:t>
+            </a:r>
+            <a:r>
+              <a:rPr lang="en-US" i="1" dirty="0" err="1" smtClean="0"/>
+              <a:t>PLoS</a:t>
             </a:r>
             <a:r>
               <a:rPr lang="en-US" i="1" dirty="0" smtClean="0"/>
-              <a:t>comparative diversity </a:t>
-            </a:r>
+              <a:t> Computational Biology</a:t>
+            </a:r>
+          </a:p>
+          <a:p>
+            <a:pPr lvl="1"/>
             <a:r>
               <a:rPr lang="en-US" dirty="0" smtClean="0"/>
-              <a:t>between communities or changes in a community</a:t>
-            </a:r>
-          </a:p>
-          <a:p>
-            <a:pPr marL="0" indent="0">
-              <a:buNone/>
-            </a:pPr>
+              <a:t>Nobel 2009. Organizing Computational Biology Projects.  </a:t>
+            </a:r>
+            <a:r>
+              <a:rPr lang="en-US" i="1" dirty="0" err="1" smtClean="0"/>
+              <a:t>PLoS</a:t>
+            </a:r>
+            <a:r>
+              <a:rPr lang="en-US" i="1" dirty="0" smtClean="0"/>
+              <a:t> Computational Biology</a:t>
+            </a:r>
+          </a:p>
+          <a:p>
+            <a:pPr lvl="1"/>
+            <a:r>
+              <a:rPr lang="en-US" dirty="0" err="1" smtClean="0"/>
+              <a:t>Sandve</a:t>
+            </a:r>
+            <a:r>
+              <a:rPr lang="en-US" dirty="0" smtClean="0"/>
+              <a:t> et al. 2013. Ten simple rules for reproducible computational research.  </a:t>
+            </a:r>
+            <a:r>
+              <a:rPr lang="en-US" i="1" dirty="0" err="1" smtClean="0"/>
+              <a:t>PLoS</a:t>
+            </a:r>
+            <a:r>
+              <a:rPr lang="en-US" i="1" dirty="0" smtClean="0"/>
+              <a:t> Computational Biology.</a:t>
+            </a:r>
+            <a:endParaRPr lang="en-US" i="1" dirty="0"/>
+          </a:p>
+          <a:p>
+            <a:pPr lvl="4"/>
+            <a:r>
+              <a:rPr lang="en-US" i="1" dirty="0" smtClean="0"/>
+              <a:t>All of these references are posted in our </a:t>
+            </a:r>
+            <a:r>
+              <a:rPr lang="en-US" i="1" dirty="0" err="1" smtClean="0"/>
+              <a:t>Mendeley</a:t>
+            </a:r>
+            <a:r>
+              <a:rPr lang="en-US" i="1" dirty="0" smtClean="0"/>
+              <a:t> group</a:t>
+            </a:r>
             <a:endParaRPr lang="en-US" dirty="0" smtClean="0"/>
-          </a:p>
-          <a:p>
-            <a:r>
-              <a:rPr lang="en-US" b="1" dirty="0" smtClean="0"/>
-              <a:t>Resemblance indices </a:t>
-            </a:r>
-            <a:r>
-              <a:rPr lang="en-US" dirty="0" smtClean="0"/>
-              <a:t>quantify pair-wise differences between communities, and can include information about OTU abundances &amp; phylogenetic representation. </a:t>
-            </a:r>
-            <a:r>
-              <a:rPr lang="en-US" i="1" dirty="0"/>
-              <a:t>Choice of resemblance matters for interpretation!</a:t>
-            </a:r>
-            <a:r>
-              <a:rPr lang="en-US" dirty="0"/>
-              <a:t>  </a:t>
-            </a:r>
-            <a:endParaRPr lang="en-US" dirty="0" smtClean="0"/>
-          </a:p>
-          <a:p>
-            <a:pPr marL="0" indent="0">
-              <a:buNone/>
-            </a:pPr>
-            <a:endParaRPr lang="en-US" dirty="0" smtClean="0"/>
-          </a:p>
-          <a:p>
-            <a:r>
-              <a:rPr lang="en-US" dirty="0" smtClean="0"/>
-              <a:t>An </a:t>
-            </a:r>
-            <a:r>
-              <a:rPr lang="en-US" b="1" dirty="0"/>
-              <a:t>r</a:t>
-            </a:r>
-            <a:r>
-              <a:rPr lang="en-US" b="1" dirty="0" smtClean="0"/>
-              <a:t>esemblance matrix </a:t>
-            </a:r>
-            <a:r>
-              <a:rPr lang="en-US" dirty="0" smtClean="0"/>
-              <a:t>is a square, sample-by-sample table of all pairs of resemblance.</a:t>
-            </a:r>
-          </a:p>
-          <a:p>
-            <a:pPr marL="0" indent="0">
-              <a:buNone/>
-            </a:pPr>
-            <a:endParaRPr lang="en-US" dirty="0" smtClean="0"/>
-          </a:p>
-          <a:p>
-            <a:r>
-              <a:rPr lang="en-US" dirty="0" smtClean="0"/>
-              <a:t>We can </a:t>
-            </a:r>
-            <a:r>
-              <a:rPr lang="en-US" b="1" dirty="0" smtClean="0"/>
-              <a:t>visualize communities</a:t>
-            </a:r>
-            <a:r>
-              <a:rPr lang="en-US" dirty="0" smtClean="0"/>
-              <a:t> using ordinations, </a:t>
-            </a:r>
-            <a:r>
-              <a:rPr lang="en-US" dirty="0" err="1" smtClean="0"/>
-              <a:t>dendrograms</a:t>
-            </a:r>
-            <a:r>
-              <a:rPr lang="en-US" dirty="0" smtClean="0"/>
-              <a:t>, and </a:t>
-            </a:r>
-            <a:r>
-              <a:rPr lang="en-US" dirty="0" err="1" smtClean="0"/>
-              <a:t>heatmaps</a:t>
-            </a:r>
-            <a:r>
-              <a:rPr lang="en-US" dirty="0" smtClean="0"/>
-              <a:t>.</a:t>
-            </a:r>
-          </a:p>
-          <a:p>
-            <a:pPr marL="0" indent="0">
-              <a:buNone/>
-            </a:pPr>
-            <a:endParaRPr lang="en-US" dirty="0" smtClean="0"/>
-          </a:p>
-          <a:p>
-            <a:r>
-              <a:rPr lang="en-US" dirty="0" smtClean="0"/>
-              <a:t>We can</a:t>
-            </a:r>
-            <a:r>
-              <a:rPr lang="en-US" b="1" dirty="0" smtClean="0"/>
-              <a:t> test for differences in the mean and dispersion </a:t>
-            </a:r>
-            <a:r>
-              <a:rPr lang="en-US" dirty="0" smtClean="0"/>
-              <a:t>of a priori groups.</a:t>
-            </a:r>
-          </a:p>
-          <a:p>
-            <a:pPr marL="0" indent="0">
-              <a:buNone/>
-            </a:pPr>
-            <a:endParaRPr lang="en-US" dirty="0" smtClean="0"/>
-          </a:p>
-          <a:p>
-            <a:r>
-              <a:rPr lang="en-US" dirty="0" smtClean="0"/>
-              <a:t>We can </a:t>
-            </a:r>
-            <a:r>
-              <a:rPr lang="en-US" b="1" dirty="0" smtClean="0"/>
-              <a:t>relate environmental gradients </a:t>
-            </a:r>
-            <a:r>
-              <a:rPr lang="en-US" dirty="0" smtClean="0"/>
-              <a:t>to changes in community structure.</a:t>
-            </a:r>
-          </a:p>
-        </p:txBody>
-      </p:sp>
-      <p:sp>
-        <p:nvSpPr>
-          <p:cNvPr id="4" name="Slide Number Placeholder 3"/>
-          <p:cNvSpPr>
-            <a:spLocks noGrp="1"/>
-          </p:cNvSpPr>
-          <p:nvPr>
-            <p:ph type="sldNum" sz="quarter" idx="12"/>
-          </p:nvPr>
-        </p:nvSpPr>
-        <p:spPr/>
-        <p:txBody>
-          <a:bodyPr/>
-          <a:lstStyle/>
-          <a:p>
-            <a:fld id="{F11C231B-52F7-C94F-A3A5-FF09B2C62768}" type="slidenum">
-              <a:rPr lang="en-US" smtClean="0"/>
-              <a:t>2</a:t>
-            </a:fld>
-            <a:endParaRPr lang="en-US"/>
           </a:p>
         </p:txBody>
       </p:sp>
     </p:spTree>
     <p:extLst>
       <p:ext uri="{BB962C8B-B14F-4D97-AF65-F5344CB8AC3E}">
-        <p14:creationId xmlns:p14="http://schemas.microsoft.com/office/powerpoint/2010/main" val="3499040047"/>
+        <p14:creationId xmlns:p14="http://schemas.microsoft.com/office/powerpoint/2010/main" val="4017411681"/>
       </p:ext>
     </p:extLst>
   </p:cSld>
   <p:clrMapOvr>
     <a:masterClrMapping/>
   </p:clrMapOvr>
-  <p:timing>
-    <p:tnLst>
-      <p:par>
-        <p:cTn xmlns:p14="http://schemas.microsoft.com/office/powerpoint/2010/main" id="1" dur="indefinite" restart="never" nodeType="tmRoot"/>
-      </p:par>
-    </p:tnLst>
-  </p:timing>
 </p:sld>
 </file>
 
@@ -4079,7 +3980,7 @@
           <a:p>
             <a:r>
               <a:rPr lang="en-US" dirty="0" smtClean="0"/>
-              <a:t>Computing Workflows for Biologists</a:t>
+              <a:t>How to Do the Best Job You Can with Analysis </a:t>
             </a:r>
             <a:endParaRPr lang="en-US" dirty="0"/>
           </a:p>
@@ -4087,7 +3988,7 @@
       </p:sp>
       <p:sp>
         <p:nvSpPr>
-          <p:cNvPr id="3" name="Content Placeholder 2"/>
+          <p:cNvPr id="4" name="Content Placeholder 3"/>
           <p:cNvSpPr>
             <a:spLocks noGrp="1"/>
           </p:cNvSpPr>
@@ -4095,96 +3996,116 @@
             <p:ph idx="1"/>
           </p:nvPr>
         </p:nvSpPr>
-        <p:spPr/>
-        <p:txBody>
-          <a:bodyPr/>
-          <a:lstStyle/>
-          <a:p>
+        <p:spPr>
+          <a:xfrm>
+            <a:off x="457200" y="2067376"/>
+            <a:ext cx="8229600" cy="4525963"/>
+          </a:xfrm>
+        </p:spPr>
+        <p:txBody>
+          <a:bodyPr>
+            <a:normAutofit fontScale="77500" lnSpcReduction="20000"/>
+          </a:bodyPr>
+          <a:lstStyle/>
+          <a:p>
+            <a:pPr marL="514350" indent="-514350">
+              <a:buFont typeface="+mj-lt"/>
+              <a:buAutoNum type="arabicPeriod"/>
+            </a:pPr>
             <a:r>
               <a:rPr lang="en-US" dirty="0" smtClean="0"/>
-              <a:t>Papers of interest:</a:t>
-            </a:r>
-          </a:p>
-          <a:p>
-            <a:pPr lvl="1"/>
+              <a:t>Adopt a systematic, iterative exploration of parameter space.  </a:t>
+            </a:r>
+            <a:endParaRPr lang="en-US" dirty="0" smtClean="0"/>
+          </a:p>
+          <a:p>
+            <a:pPr marL="914400" lvl="1" indent="-514350"/>
             <a:r>
               <a:rPr lang="en-US" dirty="0" smtClean="0"/>
-              <a:t>Wilson et al. 2014. Best </a:t>
-            </a:r>
-            <a:r>
-              <a:rPr lang="en-US" dirty="0" err="1" smtClean="0"/>
-              <a:t>practises</a:t>
-            </a:r>
+              <a:t>Include “sanity checks” </a:t>
+            </a:r>
+          </a:p>
+          <a:p>
+            <a:pPr marL="914400" lvl="1" indent="-514350"/>
             <a:r>
               <a:rPr lang="en-US" dirty="0" smtClean="0"/>
-              <a:t> for Computing. </a:t>
-            </a:r>
-            <a:r>
-              <a:rPr lang="en-US" i="1" dirty="0" err="1" smtClean="0"/>
-              <a:t>PLoS</a:t>
+              <a:t>Focus on exploring the parameters that </a:t>
             </a:r>
             <a:r>
               <a:rPr lang="en-US" i="1" dirty="0" smtClean="0"/>
-              <a:t> Computational Biology</a:t>
-            </a:r>
-          </a:p>
-          <a:p>
-            <a:pPr lvl="1"/>
+              <a:t>matter</a:t>
+            </a:r>
             <a:r>
               <a:rPr lang="en-US" dirty="0" smtClean="0"/>
-              <a:t>Nobel 2009. Organizing Computational Biology Projects.  </a:t>
-            </a:r>
-            <a:r>
-              <a:rPr lang="en-US" i="1" dirty="0" err="1" smtClean="0"/>
-              <a:t>PLoS</a:t>
+              <a:t> for your objective/hypothesis</a:t>
+            </a:r>
+          </a:p>
+          <a:p>
+            <a:pPr marL="914400" lvl="1" indent="-514350"/>
+            <a:r>
+              <a:rPr lang="en-US" dirty="0" smtClean="0"/>
+              <a:t>Organize your output and input for </a:t>
             </a:r>
             <a:r>
               <a:rPr lang="en-US" i="1" dirty="0" smtClean="0"/>
-              <a:t> Computational Biology</a:t>
-            </a:r>
-          </a:p>
-          <a:p>
-            <a:pPr lvl="1"/>
-            <a:r>
-              <a:rPr lang="en-US" dirty="0" err="1" smtClean="0"/>
-              <a:t>Sandve</a:t>
-            </a:r>
+              <a:t>someone who isn’t you</a:t>
+            </a:r>
+            <a:endParaRPr lang="en-US" i="1" dirty="0" smtClean="0"/>
+          </a:p>
+          <a:p>
+            <a:pPr marL="514350" indent="-514350">
+              <a:buFont typeface="+mj-lt"/>
+              <a:buAutoNum type="arabicPeriod"/>
+            </a:pPr>
             <a:r>
               <a:rPr lang="en-US" dirty="0" smtClean="0"/>
-              <a:t> et al. 2013. Ten simple rules for reproducible computational research.  </a:t>
-            </a:r>
-            <a:r>
-              <a:rPr lang="en-US" i="1" dirty="0" err="1" smtClean="0"/>
-              <a:t>PLoS</a:t>
+              <a:t>Work </a:t>
+            </a:r>
+            <a:r>
+              <a:rPr lang="en-US" dirty="0" smtClean="0"/>
+              <a:t>towards an optimized, seamless workflow.</a:t>
+            </a:r>
+          </a:p>
+          <a:p>
+            <a:pPr marL="514350" indent="-514350">
+              <a:buFont typeface="+mj-lt"/>
+              <a:buAutoNum type="arabicPeriod"/>
+            </a:pPr>
+            <a:r>
+              <a:rPr lang="en-US" dirty="0" smtClean="0"/>
+              <a:t>Implement </a:t>
             </a:r>
             <a:r>
               <a:rPr lang="en-US" i="1" dirty="0" smtClean="0"/>
-              <a:t> Computational Biology.</a:t>
-            </a:r>
-            <a:endParaRPr lang="en-US" i="1" dirty="0"/>
-          </a:p>
-          <a:p>
-            <a:pPr lvl="4"/>
-            <a:r>
-              <a:rPr lang="en-US" i="1" dirty="0" smtClean="0"/>
-              <a:t>All of these references are posted in our </a:t>
-            </a:r>
-            <a:r>
-              <a:rPr lang="en-US" i="1" dirty="0" err="1" smtClean="0"/>
-              <a:t>Mendeley</a:t>
-            </a:r>
-            <a:r>
-              <a:rPr lang="en-US" i="1" dirty="0" smtClean="0"/>
-              <a:t> group</a:t>
-            </a:r>
-            <a:endParaRPr lang="en-US" dirty="0" smtClean="0"/>
+              <a:t>reproducibility check-points.</a:t>
+            </a:r>
+          </a:p>
+          <a:p>
+            <a:pPr marL="514350" indent="-514350">
+              <a:buFont typeface="+mj-lt"/>
+              <a:buAutoNum type="arabicPeriod"/>
+            </a:pPr>
+            <a:r>
+              <a:rPr lang="en-US" dirty="0" smtClean="0"/>
+              <a:t>Maintain computing notes just as you would experimental notes</a:t>
+            </a:r>
+          </a:p>
+          <a:p>
+            <a:pPr marL="514350" indent="-514350">
+              <a:buFont typeface="+mj-lt"/>
+              <a:buAutoNum type="arabicPeriod"/>
+            </a:pPr>
+            <a:r>
+              <a:rPr lang="en-US" dirty="0" smtClean="0"/>
+              <a:t>Do your part:  cultivate a shared responsibility for reproducibility of results and data management</a:t>
+            </a:r>
           </a:p>
         </p:txBody>
       </p:sp>
     </p:spTree>
     <p:extLst>
       <p:ext uri="{BB962C8B-B14F-4D97-AF65-F5344CB8AC3E}">
-        <p14:creationId xmlns:p14="http://schemas.microsoft.com/office/powerpoint/2010/main" val="4017411681"/>
+        <p14:creationId xmlns:p14="http://schemas.microsoft.com/office/powerpoint/2010/main" val="2673171678"/>
       </p:ext>
     </p:extLst>
   </p:cSld>
@@ -4223,14 +4144,12 @@
         </p:nvSpPr>
         <p:spPr/>
         <p:txBody>
-          <a:bodyPr>
-            <a:normAutofit fontScale="90000"/>
-          </a:bodyPr>
+          <a:bodyPr/>
           <a:lstStyle/>
           <a:p>
             <a:r>
               <a:rPr lang="en-US" dirty="0" smtClean="0"/>
-              <a:t>How to Do the Best Job You Can with Analysis </a:t>
+              <a:t>What is a workflow?</a:t>
             </a:r>
             <a:endParaRPr lang="en-US" dirty="0"/>
           </a:p>
@@ -4238,7 +4157,7 @@
       </p:sp>
       <p:sp>
         <p:nvSpPr>
-          <p:cNvPr id="4" name="Content Placeholder 3"/>
+          <p:cNvPr id="3" name="Content Placeholder 2"/>
           <p:cNvSpPr>
             <a:spLocks noGrp="1"/>
           </p:cNvSpPr>
@@ -4246,116 +4165,92 @@
             <p:ph idx="1"/>
           </p:nvPr>
         </p:nvSpPr>
-        <p:spPr>
-          <a:xfrm>
-            <a:off x="457200" y="2067376"/>
-            <a:ext cx="8229600" cy="4525963"/>
-          </a:xfrm>
-        </p:spPr>
+        <p:spPr/>
         <p:txBody>
           <a:bodyPr>
             <a:normAutofit fontScale="77500" lnSpcReduction="20000"/>
           </a:bodyPr>
           <a:lstStyle/>
           <a:p>
-            <a:pPr marL="514350" indent="-514350">
-              <a:buFont typeface="+mj-lt"/>
-              <a:buAutoNum type="arabicPeriod"/>
-            </a:pPr>
             <a:r>
               <a:rPr lang="en-US" dirty="0" smtClean="0"/>
-              <a:t>Adopt a systematic, iterative exploration of parameter space.  </a:t>
+              <a:t>Exactly what you tell the computer to execute the analysis</a:t>
+            </a:r>
+          </a:p>
+          <a:p>
+            <a:r>
+              <a:rPr lang="en-US" dirty="0" smtClean="0"/>
+              <a:t>Each optimized step in a computing analysis</a:t>
+            </a:r>
+          </a:p>
+          <a:p>
+            <a:pPr lvl="1"/>
+            <a:r>
+              <a:rPr lang="en-US" dirty="0" smtClean="0"/>
+              <a:t> Verbatim scripts that were executed</a:t>
+            </a:r>
+          </a:p>
+          <a:p>
+            <a:pPr lvl="1"/>
+            <a:r>
+              <a:rPr lang="en-US" dirty="0" smtClean="0"/>
+              <a:t>Annotated:</a:t>
+            </a:r>
+          </a:p>
+          <a:p>
+            <a:pPr lvl="2"/>
+            <a:r>
+              <a:rPr lang="en-US" dirty="0" smtClean="0"/>
+              <a:t>Software versions used</a:t>
+            </a:r>
+          </a:p>
+          <a:p>
+            <a:pPr lvl="2"/>
+            <a:r>
+              <a:rPr lang="en-US" dirty="0" smtClean="0"/>
+              <a:t>Description of what the software is doing/goal of that step</a:t>
+            </a:r>
+          </a:p>
+          <a:p>
+            <a:pPr lvl="2"/>
+            <a:r>
+              <a:rPr lang="en-US" dirty="0" smtClean="0"/>
+              <a:t>Brief notes on deviations from default options</a:t>
+            </a:r>
+          </a:p>
+          <a:p>
+            <a:r>
+              <a:rPr lang="en-US" dirty="0" smtClean="0"/>
+              <a:t>Workflows can include different software (e.g., </a:t>
+            </a:r>
+            <a:r>
+              <a:rPr lang="en-US" dirty="0" err="1" smtClean="0"/>
+              <a:t>PANDAseq</a:t>
+            </a:r>
+            <a:r>
+              <a:rPr lang="en-US" dirty="0" smtClean="0"/>
+              <a:t> to QIIME to R), and should also include all “formatting steps” needed to move between </a:t>
+            </a:r>
+            <a:r>
+              <a:rPr lang="en-US" dirty="0" smtClean="0"/>
+              <a:t>tools – hopefull</a:t>
+            </a:r>
+            <a:r>
+              <a:rPr lang="en-US" dirty="0" smtClean="0"/>
+              <a:t>y you don’t need to manually format too much; avoid if possible</a:t>
             </a:r>
             <a:endParaRPr lang="en-US" dirty="0" smtClean="0"/>
           </a:p>
           <a:p>
-            <a:pPr marL="914400" lvl="1" indent="-514350"/>
-            <a:r>
-              <a:rPr lang="en-US" dirty="0" smtClean="0"/>
-              <a:t>Include “sanity checks” </a:t>
-            </a:r>
-          </a:p>
-          <a:p>
-            <a:pPr marL="914400" lvl="1" indent="-514350"/>
-            <a:r>
-              <a:rPr lang="en-US" dirty="0" smtClean="0"/>
-              <a:t>Focus on exploring the parameters that </a:t>
-            </a:r>
-            <a:r>
-              <a:rPr lang="en-US" i="1" dirty="0" smtClean="0"/>
-              <a:t>matter</a:t>
-            </a:r>
-            <a:r>
-              <a:rPr lang="en-US" dirty="0" smtClean="0"/>
-              <a:t> for your objective/hypothesis</a:t>
-            </a:r>
-          </a:p>
-          <a:p>
-            <a:pPr marL="914400" lvl="1" indent="-514350"/>
-            <a:r>
-              <a:rPr lang="en-US" dirty="0" smtClean="0"/>
-              <a:t>Organize your output and input for </a:t>
-            </a:r>
-            <a:r>
-              <a:rPr lang="en-US" i="1" dirty="0" smtClean="0"/>
-              <a:t>someone who isn’t you</a:t>
-            </a:r>
-            <a:endParaRPr lang="en-US" i="1" dirty="0" smtClean="0"/>
-          </a:p>
-          <a:p>
-            <a:pPr marL="514350" indent="-514350">
-              <a:buFont typeface="+mj-lt"/>
-              <a:buAutoNum type="arabicPeriod"/>
-            </a:pPr>
-            <a:r>
-              <a:rPr lang="en-US" dirty="0" smtClean="0"/>
-              <a:t>Work </a:t>
-            </a:r>
-            <a:r>
-              <a:rPr lang="en-US" dirty="0" smtClean="0"/>
-              <a:t>towards an optimized, seamless workflow.</a:t>
-            </a:r>
-          </a:p>
-          <a:p>
-            <a:pPr marL="514350" indent="-514350">
-              <a:buFont typeface="+mj-lt"/>
-              <a:buAutoNum type="arabicPeriod"/>
-            </a:pPr>
-            <a:r>
-              <a:rPr lang="en-US" dirty="0" smtClean="0"/>
-              <a:t>Implement </a:t>
-            </a:r>
-            <a:r>
-              <a:rPr lang="en-US" i="1" dirty="0" smtClean="0"/>
-              <a:t>reproducibility check-points.</a:t>
-            </a:r>
-          </a:p>
-          <a:p>
-            <a:pPr marL="514350" indent="-514350">
-              <a:buFont typeface="+mj-lt"/>
-              <a:buAutoNum type="arabicPeriod"/>
-            </a:pPr>
-            <a:r>
-              <a:rPr lang="en-US" dirty="0" smtClean="0"/>
-              <a:t>Maintain computing notes just as you would experimental notes</a:t>
-            </a:r>
-          </a:p>
-          <a:p>
-            <a:pPr marL="514350" indent="-514350">
-              <a:buFont typeface="+mj-lt"/>
-              <a:buAutoNum type="arabicPeriod"/>
-            </a:pPr>
-            <a:r>
-              <a:rPr lang="en-US" dirty="0" smtClean="0"/>
-              <a:t>Do your part:  cultivate a shared responsibility for reproducibility of results and data management</a:t>
-            </a:r>
+            <a:pPr lvl="1"/>
+            <a:endParaRPr lang="en-US" dirty="0"/>
           </a:p>
         </p:txBody>
       </p:sp>
     </p:spTree>
     <p:extLst>
       <p:ext uri="{BB962C8B-B14F-4D97-AF65-F5344CB8AC3E}">
-        <p14:creationId xmlns:p14="http://schemas.microsoft.com/office/powerpoint/2010/main" val="2673171678"/>
+        <p14:creationId xmlns:p14="http://schemas.microsoft.com/office/powerpoint/2010/main" val="3455963280"/>
       </p:ext>
     </p:extLst>
   </p:cSld>
@@ -4394,151 +4289,6 @@
         </p:nvSpPr>
         <p:spPr/>
         <p:txBody>
-          <a:bodyPr/>
-          <a:lstStyle/>
-          <a:p>
-            <a:r>
-              <a:rPr lang="en-US" dirty="0" smtClean="0"/>
-              <a:t>Workflow</a:t>
-            </a:r>
-            <a:endParaRPr lang="en-US" dirty="0"/>
-          </a:p>
-        </p:txBody>
-      </p:sp>
-      <p:sp>
-        <p:nvSpPr>
-          <p:cNvPr id="3" name="Content Placeholder 2"/>
-          <p:cNvSpPr>
-            <a:spLocks noGrp="1"/>
-          </p:cNvSpPr>
-          <p:nvPr>
-            <p:ph idx="1"/>
-          </p:nvPr>
-        </p:nvSpPr>
-        <p:spPr/>
-        <p:txBody>
-          <a:bodyPr>
-            <a:normAutofit fontScale="77500" lnSpcReduction="20000"/>
-          </a:bodyPr>
-          <a:lstStyle/>
-          <a:p>
-            <a:r>
-              <a:rPr lang="en-US" dirty="0" smtClean="0"/>
-              <a:t>Exactly what you tell the computer to execute the analysis</a:t>
-            </a:r>
-          </a:p>
-          <a:p>
-            <a:r>
-              <a:rPr lang="en-US" dirty="0" smtClean="0"/>
-              <a:t>Each optimized step in a computing analysis</a:t>
-            </a:r>
-          </a:p>
-          <a:p>
-            <a:pPr lvl="1"/>
-            <a:r>
-              <a:rPr lang="en-US" dirty="0" smtClean="0"/>
-              <a:t> Verbatim scripts that were executed</a:t>
-            </a:r>
-          </a:p>
-          <a:p>
-            <a:pPr lvl="1"/>
-            <a:r>
-              <a:rPr lang="en-US" dirty="0" smtClean="0"/>
-              <a:t>Annotated:</a:t>
-            </a:r>
-          </a:p>
-          <a:p>
-            <a:pPr lvl="2"/>
-            <a:r>
-              <a:rPr lang="en-US" dirty="0" smtClean="0"/>
-              <a:t>Software versions used</a:t>
-            </a:r>
-          </a:p>
-          <a:p>
-            <a:pPr lvl="2"/>
-            <a:r>
-              <a:rPr lang="en-US" dirty="0" smtClean="0"/>
-              <a:t>Description of what the software is doing/goal of that step</a:t>
-            </a:r>
-          </a:p>
-          <a:p>
-            <a:pPr lvl="2"/>
-            <a:r>
-              <a:rPr lang="en-US" dirty="0" smtClean="0"/>
-              <a:t>Brief notes on deviations from default options</a:t>
-            </a:r>
-          </a:p>
-          <a:p>
-            <a:r>
-              <a:rPr lang="en-US" dirty="0" smtClean="0"/>
-              <a:t>Workflows can include different software (e.g., </a:t>
-            </a:r>
-            <a:r>
-              <a:rPr lang="en-US" dirty="0" err="1" smtClean="0"/>
-              <a:t>PANDAseq</a:t>
-            </a:r>
-            <a:r>
-              <a:rPr lang="en-US" dirty="0" smtClean="0"/>
-              <a:t> to QIIME to R), and should also include all “formatting steps” needed to move between </a:t>
-            </a:r>
-            <a:r>
-              <a:rPr lang="en-US" dirty="0" smtClean="0"/>
-              <a:t>tools – hopefull</a:t>
-            </a:r>
-            <a:r>
-              <a:rPr lang="en-US" dirty="0" smtClean="0"/>
-              <a:t>y you don’t need to manually format too much; avoid if possible</a:t>
-            </a:r>
-            <a:endParaRPr lang="en-US" dirty="0" smtClean="0"/>
-          </a:p>
-          <a:p>
-            <a:pPr lvl="1"/>
-            <a:endParaRPr lang="en-US" dirty="0"/>
-          </a:p>
-        </p:txBody>
-      </p:sp>
-    </p:spTree>
-    <p:extLst>
-      <p:ext uri="{BB962C8B-B14F-4D97-AF65-F5344CB8AC3E}">
-        <p14:creationId xmlns:p14="http://schemas.microsoft.com/office/powerpoint/2010/main" val="3455963280"/>
-      </p:ext>
-    </p:extLst>
-  </p:cSld>
-  <p:clrMapOvr>
-    <a:masterClrMapping/>
-  </p:clrMapOvr>
-</p:sld>
-</file>
-
-<file path=ppt/slides/slide6.xml><?xml version="1.0" encoding="utf-8"?>
-<p:sld xmlns:a="http://schemas.openxmlformats.org/drawingml/2006/main" xmlns:r="http://schemas.openxmlformats.org/officeDocument/2006/relationships" xmlns:p="http://schemas.openxmlformats.org/presentationml/2006/main">
-  <p:cSld>
-    <p:spTree>
-      <p:nvGrpSpPr>
-        <p:cNvPr id="1" name=""/>
-        <p:cNvGrpSpPr/>
-        <p:nvPr/>
-      </p:nvGrpSpPr>
-      <p:grpSpPr>
-        <a:xfrm>
-          <a:off x="0" y="0"/>
-          <a:ext cx="0" cy="0"/>
-          <a:chOff x="0" y="0"/>
-          <a:chExt cx="0" cy="0"/>
-        </a:xfrm>
-      </p:grpSpPr>
-      <p:sp>
-        <p:nvSpPr>
-          <p:cNvPr id="2" name="Title 1"/>
-          <p:cNvSpPr>
-            <a:spLocks noGrp="1"/>
-          </p:cNvSpPr>
-          <p:nvPr>
-            <p:ph type="title"/>
-          </p:nvPr>
-        </p:nvSpPr>
-        <p:spPr/>
-        <p:txBody>
           <a:bodyPr>
             <a:normAutofit fontScale="90000"/>
           </a:bodyPr>
@@ -4641,7 +4391,7 @@
 </p:sld>
 </file>
 
-<file path=ppt/slides/slide7.xml><?xml version="1.0" encoding="utf-8"?>
+<file path=ppt/slides/slide6.xml><?xml version="1.0" encoding="utf-8"?>
 <p:sld xmlns:a="http://schemas.openxmlformats.org/drawingml/2006/main" xmlns:r="http://schemas.openxmlformats.org/officeDocument/2006/relationships" xmlns:p="http://schemas.openxmlformats.org/presentationml/2006/main">
   <p:cSld>
     <p:spTree>
